--- a/m28/ppt/презентация.pptx
+++ b/m28/ppt/презентация.pptx
@@ -7,7 +7,7 @@
     <p:sldMasterId id="2147483677" r:id="rId3"/>
   </p:sldMasterIdLst>
   <p:notesMasterIdLst>
-    <p:notesMasterId r:id="rId13"/>
+    <p:notesMasterId r:id="rId15"/>
   </p:notesMasterIdLst>
   <p:sldIdLst>
     <p:sldId id="432" r:id="rId4"/>
@@ -15,37 +15,39 @@
     <p:sldId id="435" r:id="rId6"/>
     <p:sldId id="434" r:id="rId7"/>
     <p:sldId id="436" r:id="rId8"/>
-    <p:sldId id="437" r:id="rId9"/>
-    <p:sldId id="438" r:id="rId10"/>
-    <p:sldId id="439" r:id="rId11"/>
-    <p:sldId id="264" r:id="rId12"/>
+    <p:sldId id="441" r:id="rId9"/>
+    <p:sldId id="440" r:id="rId10"/>
+    <p:sldId id="437" r:id="rId11"/>
+    <p:sldId id="438" r:id="rId12"/>
+    <p:sldId id="439" r:id="rId13"/>
+    <p:sldId id="264" r:id="rId14"/>
   </p:sldIdLst>
   <p:sldSz cx="9144000" cy="5143500" type="screen16x9"/>
   <p:notesSz cx="6858000" cy="9144000"/>
   <p:embeddedFontLst>
     <p:embeddedFont>
       <p:font typeface="Calibri" panose="020F0502020204030204" pitchFamily="34" charset="0"/>
-      <p:regular r:id="rId14"/>
-      <p:bold r:id="rId15"/>
-      <p:italic r:id="rId16"/>
-      <p:boldItalic r:id="rId17"/>
+      <p:regular r:id="rId16"/>
+      <p:bold r:id="rId17"/>
+      <p:italic r:id="rId18"/>
+      <p:boldItalic r:id="rId19"/>
     </p:embeddedFont>
     <p:embeddedFont>
       <p:font typeface="Calibri Light" panose="020F0302020204030204" pitchFamily="34" charset="0"/>
-      <p:regular r:id="rId18"/>
-      <p:italic r:id="rId19"/>
+      <p:regular r:id="rId20"/>
+      <p:italic r:id="rId21"/>
     </p:embeddedFont>
     <p:embeddedFont>
       <p:font typeface="Open Sans" panose="020B0604020202020204" charset="0"/>
-      <p:regular r:id="rId20"/>
-      <p:bold r:id="rId21"/>
-      <p:italic r:id="rId22"/>
-      <p:boldItalic r:id="rId23"/>
+      <p:regular r:id="rId22"/>
+      <p:bold r:id="rId23"/>
+      <p:italic r:id="rId24"/>
+      <p:boldItalic r:id="rId25"/>
     </p:embeddedFont>
     <p:embeddedFont>
       <p:font typeface="Segoe UI Light" panose="020B0502040204020203" pitchFamily="34" charset="0"/>
-      <p:regular r:id="rId24"/>
-      <p:italic r:id="rId25"/>
+      <p:regular r:id="rId26"/>
+      <p:italic r:id="rId27"/>
     </p:embeddedFont>
   </p:embeddedFontLst>
   <p:defaultTextStyle>
@@ -10221,7 +10223,7 @@
           <a:p>
             <a:fld id="{EF790F8C-5FB9-4EFE-BCC7-F735A3026FD8}" type="datetimeFigureOut">
               <a:rPr lang="ru-RU" smtClean="0"/>
-              <a:t>07.11.2024</a:t>
+              <a:t>22.11.2024</a:t>
             </a:fld>
             <a:endParaRPr lang="ru-RU"/>
           </a:p>
@@ -16602,6 +16604,167 @@
 </p:sld>
 </file>
 
+<file path=ppt/slides/slide10.xml><?xml version="1.0" encoding="utf-8"?>
+<p:sld xmlns:a="http://schemas.openxmlformats.org/drawingml/2006/main" xmlns:r="http://schemas.openxmlformats.org/officeDocument/2006/relationships" xmlns:p="http://schemas.openxmlformats.org/presentationml/2006/main">
+  <p:cSld>
+    <p:spTree>
+      <p:nvGrpSpPr>
+        <p:cNvPr id="1" name=""/>
+        <p:cNvGrpSpPr/>
+        <p:nvPr/>
+      </p:nvGrpSpPr>
+      <p:grpSpPr>
+        <a:xfrm>
+          <a:off x="0" y="0"/>
+          <a:ext cx="0" cy="0"/>
+          <a:chOff x="0" y="0"/>
+          <a:chExt cx="0" cy="0"/>
+        </a:xfrm>
+      </p:grpSpPr>
+      <p:pic>
+        <p:nvPicPr>
+          <p:cNvPr id="6146" name="Picture 2" descr="https://proproprogs.ru/htm/modules/files/numpy-svoystva-i-predstavleniya-massivov-sozdanie-ih-kopiy.files/image002.png">
+            <a:extLst>
+              <a:ext uri="{FF2B5EF4-FFF2-40B4-BE49-F238E27FC236}">
+                <a16:creationId xmlns:a16="http://schemas.microsoft.com/office/drawing/2014/main" id="{0649B85C-2F3F-4947-965F-21C25F46E995}"/>
+              </a:ext>
+            </a:extLst>
+          </p:cNvPr>
+          <p:cNvPicPr>
+            <a:picLocks noChangeAspect="1" noChangeArrowheads="1"/>
+          </p:cNvPicPr>
+          <p:nvPr/>
+        </p:nvPicPr>
+        <p:blipFill>
+          <a:blip r:embed="rId2">
+            <a:extLst>
+              <a:ext uri="{28A0092B-C50C-407E-A947-70E740481C1C}">
+                <a14:useLocalDpi xmlns:a14="http://schemas.microsoft.com/office/drawing/2010/main" val="0"/>
+              </a:ext>
+            </a:extLst>
+          </a:blip>
+          <a:srcRect/>
+          <a:stretch>
+            <a:fillRect/>
+          </a:stretch>
+        </p:blipFill>
+        <p:spPr bwMode="auto">
+          <a:xfrm>
+            <a:off x="257173" y="1192439"/>
+            <a:ext cx="6074273" cy="2758622"/>
+          </a:xfrm>
+          <a:prstGeom prst="rect">
+            <a:avLst/>
+          </a:prstGeom>
+          <a:ln>
+            <a:noFill/>
+          </a:ln>
+          <a:effectLst>
+            <a:outerShdw blurRad="292100" dist="139700" dir="2700000" algn="tl" rotWithShape="0">
+              <a:srgbClr val="333333">
+                <a:alpha val="65000"/>
+              </a:srgbClr>
+            </a:outerShdw>
+          </a:effectLst>
+          <a:extLst>
+            <a:ext uri="{909E8E84-426E-40DD-AFC4-6F175D3DCCD1}">
+              <a14:hiddenFill xmlns:a14="http://schemas.microsoft.com/office/drawing/2010/main">
+                <a:solidFill>
+                  <a:srgbClr val="FFFFFF"/>
+                </a:solidFill>
+              </a14:hiddenFill>
+            </a:ext>
+          </a:extLst>
+        </p:spPr>
+      </p:pic>
+    </p:spTree>
+    <p:extLst>
+      <p:ext uri="{BB962C8B-B14F-4D97-AF65-F5344CB8AC3E}">
+        <p14:creationId xmlns:p14="http://schemas.microsoft.com/office/powerpoint/2010/main" val="3735065613"/>
+      </p:ext>
+    </p:extLst>
+  </p:cSld>
+  <p:clrMapOvr>
+    <a:masterClrMapping/>
+  </p:clrMapOvr>
+</p:sld>
+</file>
+
+<file path=ppt/slides/slide11.xml><?xml version="1.0" encoding="utf-8"?>
+<p:sld xmlns:a="http://schemas.openxmlformats.org/drawingml/2006/main" xmlns:r="http://schemas.openxmlformats.org/officeDocument/2006/relationships" xmlns:p="http://schemas.openxmlformats.org/presentationml/2006/main">
+  <p:cSld>
+    <p:spTree>
+      <p:nvGrpSpPr>
+        <p:cNvPr id="1" name="Shape 237"/>
+        <p:cNvGrpSpPr/>
+        <p:nvPr/>
+      </p:nvGrpSpPr>
+      <p:grpSpPr>
+        <a:xfrm>
+          <a:off x="0" y="0"/>
+          <a:ext cx="0" cy="0"/>
+          <a:chOff x="0" y="0"/>
+          <a:chExt cx="0" cy="0"/>
+        </a:xfrm>
+      </p:grpSpPr>
+      <p:sp>
+        <p:nvSpPr>
+          <p:cNvPr id="238" name="Google Shape;238;p37"/>
+          <p:cNvSpPr txBox="1">
+            <a:spLocks noGrp="1"/>
+          </p:cNvSpPr>
+          <p:nvPr>
+            <p:ph type="sldNum" idx="4294967295"/>
+          </p:nvPr>
+        </p:nvSpPr>
+        <p:spPr>
+          <a:xfrm>
+            <a:off x="8604647" y="4693444"/>
+            <a:ext cx="539353" cy="270272"/>
+          </a:xfrm>
+          <a:prstGeom prst="rect">
+            <a:avLst/>
+          </a:prstGeom>
+          <a:noFill/>
+          <a:ln>
+            <a:noFill/>
+          </a:ln>
+        </p:spPr>
+        <p:txBody>
+          <a:bodyPr spcFirstLastPara="1" wrap="square" lIns="68575" tIns="34275" rIns="68575" bIns="34275" anchor="ctr" anchorCtr="0">
+            <a:noAutofit/>
+          </a:bodyPr>
+          <a:lstStyle/>
+          <a:p>
+            <a:pPr marL="0" lvl="0" indent="0" algn="r" rtl="0">
+              <a:lnSpc>
+                <a:spcPct val="100000"/>
+              </a:lnSpc>
+              <a:spcBef>
+                <a:spcPts val="0"/>
+              </a:spcBef>
+              <a:spcAft>
+                <a:spcPts val="0"/>
+              </a:spcAft>
+              <a:buSzPts val="1100"/>
+              <a:buNone/>
+            </a:pPr>
+            <a:fld id="{00000000-1234-1234-1234-123412341234}" type="slidenum">
+              <a:rPr lang="ru"/>
+              <a:t>11</a:t>
+            </a:fld>
+            <a:endParaRPr/>
+          </a:p>
+        </p:txBody>
+      </p:sp>
+    </p:spTree>
+  </p:cSld>
+  <p:clrMapOvr>
+    <a:masterClrMapping/>
+  </p:clrMapOvr>
+</p:sld>
+</file>
+
 <file path=ppt/slides/slide2.xml><?xml version="1.0" encoding="utf-8"?>
 <p:sld xmlns:a="http://schemas.openxmlformats.org/drawingml/2006/main" xmlns:r="http://schemas.openxmlformats.org/officeDocument/2006/relationships" xmlns:p="http://schemas.openxmlformats.org/presentationml/2006/main">
   <p:cSld>
@@ -17087,6 +17250,486 @@
           <a:chExt cx="0" cy="0"/>
         </a:xfrm>
       </p:grpSpPr>
+      <p:pic>
+        <p:nvPicPr>
+          <p:cNvPr id="4" name="Рисунок 3">
+            <a:extLst>
+              <a:ext uri="{FF2B5EF4-FFF2-40B4-BE49-F238E27FC236}">
+                <a16:creationId xmlns:a16="http://schemas.microsoft.com/office/drawing/2014/main" id="{7F98F016-0363-4698-8716-A9DE68E2E62E}"/>
+              </a:ext>
+            </a:extLst>
+          </p:cNvPr>
+          <p:cNvPicPr>
+            <a:picLocks noChangeAspect="1"/>
+          </p:cNvPicPr>
+          <p:nvPr/>
+        </p:nvPicPr>
+        <p:blipFill>
+          <a:blip r:embed="rId2"/>
+          <a:stretch>
+            <a:fillRect/>
+          </a:stretch>
+        </p:blipFill>
+        <p:spPr>
+          <a:xfrm>
+            <a:off x="431163" y="472396"/>
+            <a:ext cx="4738715" cy="1372267"/>
+          </a:xfrm>
+          <a:prstGeom prst="rect">
+            <a:avLst/>
+          </a:prstGeom>
+        </p:spPr>
+      </p:pic>
+      <p:pic>
+        <p:nvPicPr>
+          <p:cNvPr id="2050" name="Picture 2" descr="https://proproprogs.ru/htm/modules/files/numpy-bazovye-matematicheskie-operacii-nad-massivami.files/image001.png">
+            <a:extLst>
+              <a:ext uri="{FF2B5EF4-FFF2-40B4-BE49-F238E27FC236}">
+                <a16:creationId xmlns:a16="http://schemas.microsoft.com/office/drawing/2014/main" id="{3AE08545-FBFB-498F-8C69-37C1243FF043}"/>
+              </a:ext>
+            </a:extLst>
+          </p:cNvPr>
+          <p:cNvPicPr>
+            <a:picLocks noChangeAspect="1" noChangeArrowheads="1"/>
+          </p:cNvPicPr>
+          <p:nvPr/>
+        </p:nvPicPr>
+        <p:blipFill>
+          <a:blip r:embed="rId3">
+            <a:extLst>
+              <a:ext uri="{28A0092B-C50C-407E-A947-70E740481C1C}">
+                <a14:useLocalDpi xmlns:a14="http://schemas.microsoft.com/office/drawing/2010/main" val="0"/>
+              </a:ext>
+            </a:extLst>
+          </a:blip>
+          <a:srcRect/>
+          <a:stretch>
+            <a:fillRect/>
+          </a:stretch>
+        </p:blipFill>
+        <p:spPr bwMode="auto">
+          <a:xfrm>
+            <a:off x="4869179" y="2110967"/>
+            <a:ext cx="3557369" cy="921565"/>
+          </a:xfrm>
+          <a:prstGeom prst="rect">
+            <a:avLst/>
+          </a:prstGeom>
+          <a:noFill/>
+          <a:extLst>
+            <a:ext uri="{909E8E84-426E-40DD-AFC4-6F175D3DCCD1}">
+              <a14:hiddenFill xmlns:a14="http://schemas.microsoft.com/office/drawing/2010/main">
+                <a:solidFill>
+                  <a:srgbClr val="FFFFFF"/>
+                </a:solidFill>
+              </a14:hiddenFill>
+            </a:ext>
+          </a:extLst>
+        </p:spPr>
+      </p:pic>
+      <p:pic>
+        <p:nvPicPr>
+          <p:cNvPr id="2052" name="Picture 4" descr="https://proproprogs.ru/htm/modules/files/numpy-obedinenie-i-razdelenie-massivov.files/image003.png">
+            <a:extLst>
+              <a:ext uri="{FF2B5EF4-FFF2-40B4-BE49-F238E27FC236}">
+                <a16:creationId xmlns:a16="http://schemas.microsoft.com/office/drawing/2014/main" id="{C4F98AF4-A413-488C-B999-F4F16ACA20A7}"/>
+              </a:ext>
+            </a:extLst>
+          </p:cNvPr>
+          <p:cNvPicPr>
+            <a:picLocks noChangeAspect="1" noChangeArrowheads="1"/>
+          </p:cNvPicPr>
+          <p:nvPr/>
+        </p:nvPicPr>
+        <p:blipFill>
+          <a:blip r:embed="rId4">
+            <a:extLst>
+              <a:ext uri="{28A0092B-C50C-407E-A947-70E740481C1C}">
+                <a14:useLocalDpi xmlns:a14="http://schemas.microsoft.com/office/drawing/2010/main" val="0"/>
+              </a:ext>
+            </a:extLst>
+          </a:blip>
+          <a:srcRect/>
+          <a:stretch>
+            <a:fillRect/>
+          </a:stretch>
+        </p:blipFill>
+        <p:spPr bwMode="auto">
+          <a:xfrm>
+            <a:off x="1028700" y="2851158"/>
+            <a:ext cx="3346352" cy="1819946"/>
+          </a:xfrm>
+          <a:prstGeom prst="rect">
+            <a:avLst/>
+          </a:prstGeom>
+          <a:noFill/>
+          <a:extLst>
+            <a:ext uri="{909E8E84-426E-40DD-AFC4-6F175D3DCCD1}">
+              <a14:hiddenFill xmlns:a14="http://schemas.microsoft.com/office/drawing/2010/main">
+                <a:solidFill>
+                  <a:srgbClr val="FFFFFF"/>
+                </a:solidFill>
+              </a14:hiddenFill>
+            </a:ext>
+          </a:extLst>
+        </p:spPr>
+      </p:pic>
+    </p:spTree>
+    <p:extLst>
+      <p:ext uri="{BB962C8B-B14F-4D97-AF65-F5344CB8AC3E}">
+        <p14:creationId xmlns:p14="http://schemas.microsoft.com/office/powerpoint/2010/main" val="2535125460"/>
+      </p:ext>
+    </p:extLst>
+  </p:cSld>
+  <p:clrMapOvr>
+    <a:masterClrMapping/>
+  </p:clrMapOvr>
+</p:sld>
+</file>
+
+<file path=ppt/slides/slide7.xml><?xml version="1.0" encoding="utf-8"?>
+<p:sld xmlns:a="http://schemas.openxmlformats.org/drawingml/2006/main" xmlns:r="http://schemas.openxmlformats.org/officeDocument/2006/relationships" xmlns:p="http://schemas.openxmlformats.org/presentationml/2006/main">
+  <p:cSld>
+    <p:spTree>
+      <p:nvGrpSpPr>
+        <p:cNvPr id="1" name=""/>
+        <p:cNvGrpSpPr/>
+        <p:nvPr/>
+      </p:nvGrpSpPr>
+      <p:grpSpPr>
+        <a:xfrm>
+          <a:off x="0" y="0"/>
+          <a:ext cx="0" cy="0"/>
+          <a:chOff x="0" y="0"/>
+          <a:chExt cx="0" cy="0"/>
+        </a:xfrm>
+      </p:grpSpPr>
+      <p:pic>
+        <p:nvPicPr>
+          <p:cNvPr id="1026" name="Picture 2" descr="https://proproprogs.ru/htm/modules/files/numpy-mnozhestva-unique-i-operacii-nad-nimi.files/image003.png">
+            <a:extLst>
+              <a:ext uri="{FF2B5EF4-FFF2-40B4-BE49-F238E27FC236}">
+                <a16:creationId xmlns:a16="http://schemas.microsoft.com/office/drawing/2014/main" id="{34E0E16F-2CB8-4859-A437-2159339DA75A}"/>
+              </a:ext>
+            </a:extLst>
+          </p:cNvPr>
+          <p:cNvPicPr>
+            <a:picLocks noChangeAspect="1" noChangeArrowheads="1"/>
+          </p:cNvPicPr>
+          <p:nvPr/>
+        </p:nvPicPr>
+        <p:blipFill>
+          <a:blip r:embed="rId2">
+            <a:extLst>
+              <a:ext uri="{28A0092B-C50C-407E-A947-70E740481C1C}">
+                <a14:useLocalDpi xmlns:a14="http://schemas.microsoft.com/office/drawing/2010/main" val="0"/>
+              </a:ext>
+            </a:extLst>
+          </a:blip>
+          <a:srcRect/>
+          <a:stretch>
+            <a:fillRect/>
+          </a:stretch>
+        </p:blipFill>
+        <p:spPr bwMode="auto">
+          <a:xfrm>
+            <a:off x="497206" y="2498047"/>
+            <a:ext cx="2203791" cy="2183001"/>
+          </a:xfrm>
+          <a:prstGeom prst="rect">
+            <a:avLst/>
+          </a:prstGeom>
+          <a:noFill/>
+          <a:extLst>
+            <a:ext uri="{909E8E84-426E-40DD-AFC4-6F175D3DCCD1}">
+              <a14:hiddenFill xmlns:a14="http://schemas.microsoft.com/office/drawing/2010/main">
+                <a:solidFill>
+                  <a:srgbClr val="FFFFFF"/>
+                </a:solidFill>
+              </a14:hiddenFill>
+            </a:ext>
+          </a:extLst>
+        </p:spPr>
+      </p:pic>
+      <p:pic>
+        <p:nvPicPr>
+          <p:cNvPr id="1028" name="Picture 4" descr="https://proproprogs.ru/htm/modules/files/numpy-proizvedenie-matric-i-vektorov-elementy-lineynoy-algebry.files/image003.png">
+            <a:extLst>
+              <a:ext uri="{FF2B5EF4-FFF2-40B4-BE49-F238E27FC236}">
+                <a16:creationId xmlns:a16="http://schemas.microsoft.com/office/drawing/2014/main" id="{FEA3039B-AE75-4894-9EDE-4D9FF843A051}"/>
+              </a:ext>
+            </a:extLst>
+          </p:cNvPr>
+          <p:cNvPicPr>
+            <a:picLocks noChangeAspect="1" noChangeArrowheads="1"/>
+          </p:cNvPicPr>
+          <p:nvPr/>
+        </p:nvPicPr>
+        <p:blipFill>
+          <a:blip r:embed="rId3">
+            <a:extLst>
+              <a:ext uri="{28A0092B-C50C-407E-A947-70E740481C1C}">
+                <a14:useLocalDpi xmlns:a14="http://schemas.microsoft.com/office/drawing/2010/main" val="0"/>
+              </a:ext>
+            </a:extLst>
+          </a:blip>
+          <a:srcRect/>
+          <a:stretch>
+            <a:fillRect/>
+          </a:stretch>
+        </p:blipFill>
+        <p:spPr bwMode="auto">
+          <a:xfrm>
+            <a:off x="4169313" y="1167109"/>
+            <a:ext cx="1800225" cy="942975"/>
+          </a:xfrm>
+          <a:prstGeom prst="rect">
+            <a:avLst/>
+          </a:prstGeom>
+          <a:noFill/>
+          <a:extLst>
+            <a:ext uri="{909E8E84-426E-40DD-AFC4-6F175D3DCCD1}">
+              <a14:hiddenFill xmlns:a14="http://schemas.microsoft.com/office/drawing/2010/main">
+                <a:solidFill>
+                  <a:srgbClr val="FFFFFF"/>
+                </a:solidFill>
+              </a14:hiddenFill>
+            </a:ext>
+          </a:extLst>
+        </p:spPr>
+      </p:pic>
+      <p:pic>
+        <p:nvPicPr>
+          <p:cNvPr id="1030" name="Picture 6" descr="https://proproprogs.ru/htm/modules/files/numpy-proizvedenie-matric-i-vektorov-elementy-lineynoy-algebry.files/image006.png">
+            <a:extLst>
+              <a:ext uri="{FF2B5EF4-FFF2-40B4-BE49-F238E27FC236}">
+                <a16:creationId xmlns:a16="http://schemas.microsoft.com/office/drawing/2014/main" id="{E93312FC-0F52-4F6D-9FEF-94436171DED6}"/>
+              </a:ext>
+            </a:extLst>
+          </p:cNvPr>
+          <p:cNvPicPr>
+            <a:picLocks noChangeAspect="1" noChangeArrowheads="1"/>
+          </p:cNvPicPr>
+          <p:nvPr/>
+        </p:nvPicPr>
+        <p:blipFill>
+          <a:blip r:embed="rId4">
+            <a:extLst>
+              <a:ext uri="{28A0092B-C50C-407E-A947-70E740481C1C}">
+                <a14:useLocalDpi xmlns:a14="http://schemas.microsoft.com/office/drawing/2010/main" val="0"/>
+              </a:ext>
+            </a:extLst>
+          </a:blip>
+          <a:srcRect/>
+          <a:stretch>
+            <a:fillRect/>
+          </a:stretch>
+        </p:blipFill>
+        <p:spPr bwMode="auto">
+          <a:xfrm>
+            <a:off x="4680073" y="3051717"/>
+            <a:ext cx="2184961" cy="1132519"/>
+          </a:xfrm>
+          <a:prstGeom prst="rect">
+            <a:avLst/>
+          </a:prstGeom>
+          <a:noFill/>
+          <a:extLst>
+            <a:ext uri="{909E8E84-426E-40DD-AFC4-6F175D3DCCD1}">
+              <a14:hiddenFill xmlns:a14="http://schemas.microsoft.com/office/drawing/2010/main">
+                <a:solidFill>
+                  <a:srgbClr val="FFFFFF"/>
+                </a:solidFill>
+              </a14:hiddenFill>
+            </a:ext>
+          </a:extLst>
+        </p:spPr>
+      </p:pic>
+      <p:sp>
+        <p:nvSpPr>
+          <p:cNvPr id="4" name="Прямоугольник 3">
+            <a:extLst>
+              <a:ext uri="{FF2B5EF4-FFF2-40B4-BE49-F238E27FC236}">
+                <a16:creationId xmlns:a16="http://schemas.microsoft.com/office/drawing/2014/main" id="{9048E680-049E-45C2-A705-BFC9290ACC11}"/>
+              </a:ext>
+            </a:extLst>
+          </p:cNvPr>
+          <p:cNvSpPr/>
+          <p:nvPr/>
+        </p:nvSpPr>
+        <p:spPr>
+          <a:xfrm>
+            <a:off x="3453261" y="4373271"/>
+            <a:ext cx="2706190" cy="307777"/>
+          </a:xfrm>
+          <a:prstGeom prst="rect">
+            <a:avLst/>
+          </a:prstGeom>
+        </p:spPr>
+        <p:txBody>
+          <a:bodyPr wrap="none">
+            <a:spAutoFit/>
+          </a:bodyPr>
+          <a:lstStyle/>
+          <a:p>
+            <a:r>
+              <a:rPr lang="ru-RU" b="1" dirty="0">
+                <a:latin typeface="Yandex Sans Display Light"/>
+              </a:rPr>
+              <a:t>Умножение вектора на матрицу</a:t>
+            </a:r>
+          </a:p>
+        </p:txBody>
+      </p:sp>
+      <p:sp>
+        <p:nvSpPr>
+          <p:cNvPr id="5" name="Прямоугольник 4">
+            <a:extLst>
+              <a:ext uri="{FF2B5EF4-FFF2-40B4-BE49-F238E27FC236}">
+                <a16:creationId xmlns:a16="http://schemas.microsoft.com/office/drawing/2014/main" id="{167959E6-1D0F-4EA0-88F4-AFC0195E62E5}"/>
+              </a:ext>
+            </a:extLst>
+          </p:cNvPr>
+          <p:cNvSpPr/>
+          <p:nvPr/>
+        </p:nvSpPr>
+        <p:spPr>
+          <a:xfrm>
+            <a:off x="5484203" y="2110084"/>
+            <a:ext cx="1967205" cy="307777"/>
+          </a:xfrm>
+          <a:prstGeom prst="rect">
+            <a:avLst/>
+          </a:prstGeom>
+        </p:spPr>
+        <p:txBody>
+          <a:bodyPr wrap="none">
+            <a:spAutoFit/>
+          </a:bodyPr>
+          <a:lstStyle/>
+          <a:p>
+            <a:r>
+              <a:rPr lang="ru-RU" b="1" dirty="0">
+                <a:latin typeface="Yandex Sans Display Light"/>
+              </a:rPr>
+              <a:t>Векторное умножение</a:t>
+            </a:r>
+          </a:p>
+        </p:txBody>
+      </p:sp>
+      <p:pic>
+        <p:nvPicPr>
+          <p:cNvPr id="1032" name="Picture 8" descr="https://proproprogs.ru/htm/modules/files/numpy-proizvedenie-matric-i-vektorov-elementy-lineynoy-algebry.files/image001.png">
+            <a:extLst>
+              <a:ext uri="{FF2B5EF4-FFF2-40B4-BE49-F238E27FC236}">
+                <a16:creationId xmlns:a16="http://schemas.microsoft.com/office/drawing/2014/main" id="{AAF877F7-2A0B-47C7-AEBB-0294EC46CEB8}"/>
+              </a:ext>
+            </a:extLst>
+          </p:cNvPr>
+          <p:cNvPicPr>
+            <a:picLocks noChangeAspect="1" noChangeArrowheads="1"/>
+          </p:cNvPicPr>
+          <p:nvPr/>
+        </p:nvPicPr>
+        <p:blipFill>
+          <a:blip r:embed="rId5">
+            <a:extLst>
+              <a:ext uri="{28A0092B-C50C-407E-A947-70E740481C1C}">
+                <a14:useLocalDpi xmlns:a14="http://schemas.microsoft.com/office/drawing/2010/main" val="0"/>
+              </a:ext>
+            </a:extLst>
+          </a:blip>
+          <a:srcRect/>
+          <a:stretch>
+            <a:fillRect/>
+          </a:stretch>
+        </p:blipFill>
+        <p:spPr bwMode="auto">
+          <a:xfrm>
+            <a:off x="497206" y="838711"/>
+            <a:ext cx="3329967" cy="1563168"/>
+          </a:xfrm>
+          <a:prstGeom prst="rect">
+            <a:avLst/>
+          </a:prstGeom>
+          <a:noFill/>
+          <a:extLst>
+            <a:ext uri="{909E8E84-426E-40DD-AFC4-6F175D3DCCD1}">
+              <a14:hiddenFill xmlns:a14="http://schemas.microsoft.com/office/drawing/2010/main">
+                <a:solidFill>
+                  <a:srgbClr val="FFFFFF"/>
+                </a:solidFill>
+              </a14:hiddenFill>
+            </a:ext>
+          </a:extLst>
+        </p:spPr>
+      </p:pic>
+      <p:sp>
+        <p:nvSpPr>
+          <p:cNvPr id="6" name="Прямоугольник 5">
+            <a:extLst>
+              <a:ext uri="{FF2B5EF4-FFF2-40B4-BE49-F238E27FC236}">
+                <a16:creationId xmlns:a16="http://schemas.microsoft.com/office/drawing/2014/main" id="{9CE5E584-9658-4C3F-988E-FB13CA9FA89C}"/>
+              </a:ext>
+            </a:extLst>
+          </p:cNvPr>
+          <p:cNvSpPr/>
+          <p:nvPr/>
+        </p:nvSpPr>
+        <p:spPr>
+          <a:xfrm>
+            <a:off x="2700997" y="124802"/>
+            <a:ext cx="2024913" cy="307777"/>
+          </a:xfrm>
+          <a:prstGeom prst="rect">
+            <a:avLst/>
+          </a:prstGeom>
+        </p:spPr>
+        <p:txBody>
+          <a:bodyPr wrap="none">
+            <a:spAutoFit/>
+          </a:bodyPr>
+          <a:lstStyle/>
+          <a:p>
+            <a:r>
+              <a:rPr lang="ru-RU" b="1" dirty="0">
+                <a:latin typeface="Yandex Sans Display Light"/>
+              </a:rPr>
+              <a:t>Матричное умножение</a:t>
+            </a:r>
+          </a:p>
+        </p:txBody>
+      </p:sp>
+    </p:spTree>
+    <p:extLst>
+      <p:ext uri="{BB962C8B-B14F-4D97-AF65-F5344CB8AC3E}">
+        <p14:creationId xmlns:p14="http://schemas.microsoft.com/office/powerpoint/2010/main" val="4007873137"/>
+      </p:ext>
+    </p:extLst>
+  </p:cSld>
+  <p:clrMapOvr>
+    <a:masterClrMapping/>
+  </p:clrMapOvr>
+</p:sld>
+</file>
+
+<file path=ppt/slides/slide8.xml><?xml version="1.0" encoding="utf-8"?>
+<p:sld xmlns:a="http://schemas.openxmlformats.org/drawingml/2006/main" xmlns:r="http://schemas.openxmlformats.org/officeDocument/2006/relationships" xmlns:p="http://schemas.openxmlformats.org/presentationml/2006/main">
+  <p:cSld>
+    <p:spTree>
+      <p:nvGrpSpPr>
+        <p:cNvPr id="1" name=""/>
+        <p:cNvGrpSpPr/>
+        <p:nvPr/>
+      </p:nvGrpSpPr>
+      <p:grpSpPr>
+        <a:xfrm>
+          <a:off x="0" y="0"/>
+          <a:ext cx="0" cy="0"/>
+          <a:chOff x="0" y="0"/>
+          <a:chExt cx="0" cy="0"/>
+        </a:xfrm>
+      </p:grpSpPr>
       <p:sp>
         <p:nvSpPr>
           <p:cNvPr id="2" name="Прямоугольник 1">
@@ -17174,7 +17817,7 @@
 </p:sld>
 </file>
 
-<file path=ppt/slides/slide7.xml><?xml version="1.0" encoding="utf-8"?>
+<file path=ppt/slides/slide9.xml><?xml version="1.0" encoding="utf-8"?>
 <p:sld xmlns:a="http://schemas.openxmlformats.org/drawingml/2006/main" xmlns:r="http://schemas.openxmlformats.org/officeDocument/2006/relationships" xmlns:p="http://schemas.openxmlformats.org/presentationml/2006/main">
   <p:cSld>
     <p:spTree>
@@ -17308,167 +17951,6 @@
         <p14:creationId xmlns:p14="http://schemas.microsoft.com/office/powerpoint/2010/main" val="1171713602"/>
       </p:ext>
     </p:extLst>
-  </p:cSld>
-  <p:clrMapOvr>
-    <a:masterClrMapping/>
-  </p:clrMapOvr>
-</p:sld>
-</file>
-
-<file path=ppt/slides/slide8.xml><?xml version="1.0" encoding="utf-8"?>
-<p:sld xmlns:a="http://schemas.openxmlformats.org/drawingml/2006/main" xmlns:r="http://schemas.openxmlformats.org/officeDocument/2006/relationships" xmlns:p="http://schemas.openxmlformats.org/presentationml/2006/main">
-  <p:cSld>
-    <p:spTree>
-      <p:nvGrpSpPr>
-        <p:cNvPr id="1" name=""/>
-        <p:cNvGrpSpPr/>
-        <p:nvPr/>
-      </p:nvGrpSpPr>
-      <p:grpSpPr>
-        <a:xfrm>
-          <a:off x="0" y="0"/>
-          <a:ext cx="0" cy="0"/>
-          <a:chOff x="0" y="0"/>
-          <a:chExt cx="0" cy="0"/>
-        </a:xfrm>
-      </p:grpSpPr>
-      <p:pic>
-        <p:nvPicPr>
-          <p:cNvPr id="6146" name="Picture 2" descr="https://proproprogs.ru/htm/modules/files/numpy-svoystva-i-predstavleniya-massivov-sozdanie-ih-kopiy.files/image002.png">
-            <a:extLst>
-              <a:ext uri="{FF2B5EF4-FFF2-40B4-BE49-F238E27FC236}">
-                <a16:creationId xmlns:a16="http://schemas.microsoft.com/office/drawing/2014/main" id="{0649B85C-2F3F-4947-965F-21C25F46E995}"/>
-              </a:ext>
-            </a:extLst>
-          </p:cNvPr>
-          <p:cNvPicPr>
-            <a:picLocks noChangeAspect="1" noChangeArrowheads="1"/>
-          </p:cNvPicPr>
-          <p:nvPr/>
-        </p:nvPicPr>
-        <p:blipFill>
-          <a:blip r:embed="rId2">
-            <a:extLst>
-              <a:ext uri="{28A0092B-C50C-407E-A947-70E740481C1C}">
-                <a14:useLocalDpi xmlns:a14="http://schemas.microsoft.com/office/drawing/2010/main" val="0"/>
-              </a:ext>
-            </a:extLst>
-          </a:blip>
-          <a:srcRect/>
-          <a:stretch>
-            <a:fillRect/>
-          </a:stretch>
-        </p:blipFill>
-        <p:spPr bwMode="auto">
-          <a:xfrm>
-            <a:off x="257173" y="1192439"/>
-            <a:ext cx="6074273" cy="2758622"/>
-          </a:xfrm>
-          <a:prstGeom prst="rect">
-            <a:avLst/>
-          </a:prstGeom>
-          <a:ln>
-            <a:noFill/>
-          </a:ln>
-          <a:effectLst>
-            <a:outerShdw blurRad="292100" dist="139700" dir="2700000" algn="tl" rotWithShape="0">
-              <a:srgbClr val="333333">
-                <a:alpha val="65000"/>
-              </a:srgbClr>
-            </a:outerShdw>
-          </a:effectLst>
-          <a:extLst>
-            <a:ext uri="{909E8E84-426E-40DD-AFC4-6F175D3DCCD1}">
-              <a14:hiddenFill xmlns:a14="http://schemas.microsoft.com/office/drawing/2010/main">
-                <a:solidFill>
-                  <a:srgbClr val="FFFFFF"/>
-                </a:solidFill>
-              </a14:hiddenFill>
-            </a:ext>
-          </a:extLst>
-        </p:spPr>
-      </p:pic>
-    </p:spTree>
-    <p:extLst>
-      <p:ext uri="{BB962C8B-B14F-4D97-AF65-F5344CB8AC3E}">
-        <p14:creationId xmlns:p14="http://schemas.microsoft.com/office/powerpoint/2010/main" val="3735065613"/>
-      </p:ext>
-    </p:extLst>
-  </p:cSld>
-  <p:clrMapOvr>
-    <a:masterClrMapping/>
-  </p:clrMapOvr>
-</p:sld>
-</file>
-
-<file path=ppt/slides/slide9.xml><?xml version="1.0" encoding="utf-8"?>
-<p:sld xmlns:a="http://schemas.openxmlformats.org/drawingml/2006/main" xmlns:r="http://schemas.openxmlformats.org/officeDocument/2006/relationships" xmlns:p="http://schemas.openxmlformats.org/presentationml/2006/main">
-  <p:cSld>
-    <p:spTree>
-      <p:nvGrpSpPr>
-        <p:cNvPr id="1" name="Shape 237"/>
-        <p:cNvGrpSpPr/>
-        <p:nvPr/>
-      </p:nvGrpSpPr>
-      <p:grpSpPr>
-        <a:xfrm>
-          <a:off x="0" y="0"/>
-          <a:ext cx="0" cy="0"/>
-          <a:chOff x="0" y="0"/>
-          <a:chExt cx="0" cy="0"/>
-        </a:xfrm>
-      </p:grpSpPr>
-      <p:sp>
-        <p:nvSpPr>
-          <p:cNvPr id="238" name="Google Shape;238;p37"/>
-          <p:cNvSpPr txBox="1">
-            <a:spLocks noGrp="1"/>
-          </p:cNvSpPr>
-          <p:nvPr>
-            <p:ph type="sldNum" idx="4294967295"/>
-          </p:nvPr>
-        </p:nvSpPr>
-        <p:spPr>
-          <a:xfrm>
-            <a:off x="8604647" y="4693444"/>
-            <a:ext cx="539353" cy="270272"/>
-          </a:xfrm>
-          <a:prstGeom prst="rect">
-            <a:avLst/>
-          </a:prstGeom>
-          <a:noFill/>
-          <a:ln>
-            <a:noFill/>
-          </a:ln>
-        </p:spPr>
-        <p:txBody>
-          <a:bodyPr spcFirstLastPara="1" wrap="square" lIns="68575" tIns="34275" rIns="68575" bIns="34275" anchor="ctr" anchorCtr="0">
-            <a:noAutofit/>
-          </a:bodyPr>
-          <a:lstStyle/>
-          <a:p>
-            <a:pPr marL="0" lvl="0" indent="0" algn="r" rtl="0">
-              <a:lnSpc>
-                <a:spcPct val="100000"/>
-              </a:lnSpc>
-              <a:spcBef>
-                <a:spcPts val="0"/>
-              </a:spcBef>
-              <a:spcAft>
-                <a:spcPts val="0"/>
-              </a:spcAft>
-              <a:buSzPts val="1100"/>
-              <a:buNone/>
-            </a:pPr>
-            <a:fld id="{00000000-1234-1234-1234-123412341234}" type="slidenum">
-              <a:rPr lang="ru"/>
-              <a:t>9</a:t>
-            </a:fld>
-            <a:endParaRPr/>
-          </a:p>
-        </p:txBody>
-      </p:sp>
-    </p:spTree>
   </p:cSld>
   <p:clrMapOvr>
     <a:masterClrMapping/>
